--- a/src/examples/grid/grid.pptx
+++ b/src/examples/grid/grid.pptx
@@ -2,10 +2,10 @@
 <file path=ppt/presentation.xml><?xml version="1.0" encoding="utf-8"?>
 <p:presentation xmlns:p="http://schemas.openxmlformats.org/presentationml/2006/main" showSpecialPlsOnTitleSld="0">
   <p:sldMasterIdLst>
-    <p:sldMasterId xmlns:r="http://schemas.openxmlformats.org/officeDocument/2006/relationships" id="2147483648" r:id="Rcc8e59435bf6417e"/>
+    <p:sldMasterId xmlns:r="http://schemas.openxmlformats.org/officeDocument/2006/relationships" id="2147483648" r:id="R3bc752bb500a4cc6"/>
   </p:sldMasterIdLst>
   <p:sldIdLst>
-    <p:sldId xmlns:r="http://schemas.openxmlformats.org/officeDocument/2006/relationships" id="257" r:id="R4ea8903b4bb3473a"/>
+    <p:sldId xmlns:r="http://schemas.openxmlformats.org/officeDocument/2006/relationships" id="257" r:id="Rf4c4288726c043d9"/>
   </p:sldIdLst>
   <p:sldSz cx="9144000" cy="6858000" type="screen4x3"/>
   <p:notesSz cx="6858000" cy="9144000"/>
@@ -47,6 +47,9 @@
             <a:off x="288000" y="288000"/>
             <a:ext cx="8568000" cy="828000"/>
           </a:xfrm>
+          <a:prstGeom xmlns:a="http://schemas.openxmlformats.org/drawingml/2006/main" prst="rect">
+            <a:avLst/>
+          </a:prstGeom>
         </p:spPr>
         <p:txBody>
           <a:bodyPr xmlns:a="http://schemas.openxmlformats.org/drawingml/2006/main">
@@ -74,6 +77,9 @@
             <a:off x="288000" y="1152000"/>
             <a:ext cx="8568000" cy="5094000"/>
           </a:xfrm>
+          <a:prstGeom xmlns:a="http://schemas.openxmlformats.org/drawingml/2006/main" prst="rect">
+            <a:avLst/>
+          </a:prstGeom>
         </p:spPr>
         <p:txBody>
           <a:bodyPr xmlns:a="http://schemas.openxmlformats.org/drawingml/2006/main">
@@ -101,6 +107,9 @@
             <a:off x="8568000" y="6282000"/>
             <a:ext cx="288000" cy="288000"/>
           </a:xfrm>
+          <a:prstGeom xmlns:a="http://schemas.openxmlformats.org/drawingml/2006/main" prst="rect">
+            <a:avLst/>
+          </a:prstGeom>
         </p:spPr>
         <p:txBody>
           <a:bodyPr xmlns:a="http://schemas.openxmlformats.org/drawingml/2006/main" wrap="none"/>
@@ -110,7 +119,7 @@
             </a:lvl1pPr>
           </a:lstStyle>
           <a:p xmlns:a="http://schemas.openxmlformats.org/drawingml/2006/main">
-            <a:fld id="{C3150EE5-D7F9-4873-987F-25C1331CC495}" type="slidenum">
+            <a:fld id="{EE8E0839-BBF7-4A6F-BE63-8A744DA7533B}" type="slidenum">
               <a:t>‹#›</a:t>
             </a:fld>
           </a:p>
@@ -155,6 +164,9 @@
             <a:off x="288000" y="288000"/>
             <a:ext cx="8568000" cy="828000"/>
           </a:xfrm>
+          <a:prstGeom xmlns:a="http://schemas.openxmlformats.org/drawingml/2006/main" prst="rect">
+            <a:avLst/>
+          </a:prstGeom>
         </p:spPr>
         <p:txBody>
           <a:bodyPr xmlns:a="http://schemas.openxmlformats.org/drawingml/2006/main">
@@ -182,6 +194,9 @@
             <a:off x="288000" y="1152000"/>
             <a:ext cx="8568000" cy="5094000"/>
           </a:xfrm>
+          <a:prstGeom xmlns:a="http://schemas.openxmlformats.org/drawingml/2006/main" prst="rect">
+            <a:avLst/>
+          </a:prstGeom>
         </p:spPr>
         <p:txBody>
           <a:bodyPr xmlns:a="http://schemas.openxmlformats.org/drawingml/2006/main">
@@ -209,6 +224,9 @@
             <a:off x="8568000" y="6282000"/>
             <a:ext cx="288000" cy="288000"/>
           </a:xfrm>
+          <a:prstGeom xmlns:a="http://schemas.openxmlformats.org/drawingml/2006/main" prst="rect">
+            <a:avLst/>
+          </a:prstGeom>
         </p:spPr>
         <p:txBody>
           <a:bodyPr xmlns:a="http://schemas.openxmlformats.org/drawingml/2006/main" wrap="none"/>
@@ -218,7 +236,7 @@
             </a:lvl1pPr>
           </a:lstStyle>
           <a:p xmlns:a="http://schemas.openxmlformats.org/drawingml/2006/main">
-            <a:fld id="{C3150EE5-D7F9-4873-987F-25C1331CC495}" type="slidenum">
+            <a:fld id="{EE8E0839-BBF7-4A6F-BE63-8A744DA7533B}" type="slidenum">
               <a:t>‹#›</a:t>
             </a:fld>
           </a:p>
@@ -228,7 +246,7 @@
   </p:cSld>
   <p:clrMap bg1="lt1" tx1="dk1" bg2="lt2" tx2="dk2" accent1="accent1" accent2="accent2" accent3="accent3" accent4="accent4" accent5="accent5" accent6="accent6" hlink="hlink" folHlink="folHlink"/>
   <p:sldLayoutIdLst>
-    <p:sldLayoutId xmlns:r="http://schemas.openxmlformats.org/officeDocument/2006/relationships" id="2147483650" r:id="R2bdbbce0a44a4449"/>
+    <p:sldLayoutId xmlns:r="http://schemas.openxmlformats.org/officeDocument/2006/relationships" id="2147483650" r:id="R38e01d29ceb44409"/>
   </p:sldLayoutIdLst>
   <p:txStyles>
     <p:titleStyle>
@@ -573,7 +591,7 @@
       </c:txPr>
     </c:legend>
   </c:chart>
-  <c:externalData xmlns:r="http://schemas.openxmlformats.org/officeDocument/2006/relationships" r:id="R800a1779ea924daf"/>
+  <c:externalData xmlns:r="http://schemas.openxmlformats.org/officeDocument/2006/relationships" r:id="R2b0dcf6ad47844a8"/>
 </c:chartSpace>
 </file>
 
@@ -788,7 +806,7 @@
       </c:txPr>
     </c:legend>
   </c:chart>
-  <c:externalData xmlns:r="http://schemas.openxmlformats.org/officeDocument/2006/relationships" r:id="Rf9a606277ac34d64"/>
+  <c:externalData xmlns:r="http://schemas.openxmlformats.org/officeDocument/2006/relationships" r:id="R944d32a12c9e47c5"/>
 </c:chartSpace>
 </file>
 
@@ -826,6 +844,9 @@
             <a:off x="288000" y="288000"/>
             <a:ext cx="8568000" cy="828000"/>
           </a:xfrm>
+          <a:prstGeom xmlns:a="http://schemas.openxmlformats.org/drawingml/2006/main" prst="rect">
+            <a:avLst/>
+          </a:prstGeom>
         </p:spPr>
         <p:txBody>
           <a:bodyPr xmlns:a="http://schemas.openxmlformats.org/drawingml/2006/main">
@@ -856,6 +877,9 @@
             <a:off x="8568000" y="6282000"/>
             <a:ext cx="288000" cy="288000"/>
           </a:xfrm>
+          <a:prstGeom xmlns:a="http://schemas.openxmlformats.org/drawingml/2006/main" prst="rect">
+            <a:avLst/>
+          </a:prstGeom>
         </p:spPr>
         <p:txBody>
           <a:bodyPr xmlns:a="http://schemas.openxmlformats.org/drawingml/2006/main" wrap="none"/>
@@ -865,7 +889,7 @@
             </a:lvl1pPr>
           </a:lstStyle>
           <a:p xmlns:a="http://schemas.openxmlformats.org/drawingml/2006/main">
-            <a:fld id="{C3150EE5-D7F9-4873-987F-25C1331CC495}" type="slidenum">
+            <a:fld id="{EE8E0839-BBF7-4A6F-BE63-8A744DA7533B}" type="slidenum">
               <a:t>‹#›</a:t>
             </a:fld>
           </a:p>
@@ -886,6 +910,9 @@
             <a:off x="288000" y="1152000"/>
             <a:ext cx="4284000" cy="2037600"/>
           </a:xfrm>
+          <a:prstGeom xmlns:a="http://schemas.openxmlformats.org/drawingml/2006/main" prst="rect">
+            <a:avLst/>
+          </a:prstGeom>
         </p:spPr>
         <p:txBody>
           <a:bodyPr xmlns:a="http://schemas.openxmlformats.org/drawingml/2006/main">
@@ -1023,7 +1050,7 @@
         </p:xfrm>
         <a:graphic xmlns:a="http://schemas.openxmlformats.org/drawingml/2006/main">
           <a:graphicData uri="http://schemas.openxmlformats.org/drawingml/2006/chart">
-            <c:chart xmlns:r="http://schemas.openxmlformats.org/officeDocument/2006/relationships" xmlns:c="http://schemas.openxmlformats.org/drawingml/2006/chart" r:id="R242de9bd150b4aef"/>
+            <c:chart xmlns:r="http://schemas.openxmlformats.org/officeDocument/2006/relationships" xmlns:c="http://schemas.openxmlformats.org/drawingml/2006/chart" r:id="R377ecc21beb248f9"/>
           </a:graphicData>
         </a:graphic>
       </p:graphicFrame>
@@ -1033,15 +1060,14 @@
           <p:cNvSpPr>
             <a:spLocks xmlns:a="http://schemas.openxmlformats.org/drawingml/2006/main" noGrp="1"/>
           </p:cNvSpPr>
-          <p:nvPr>
-            <p:ph type="body"/>
-          </p:nvPr>
+          <p:nvPr/>
         </p:nvSpPr>
         <p:spPr>
           <a:xfrm xmlns:a="http://schemas.openxmlformats.org/drawingml/2006/main">
             <a:off x="288000" y="3189600"/>
             <a:ext cx="4284000" cy="2037600"/>
           </a:xfrm>
+          <a:prstGeom xmlns:a="http://schemas.openxmlformats.org/drawingml/2006/main" prst="rect"/>
         </p:spPr>
         <p:txBody>
           <a:bodyPr xmlns:a="http://schemas.openxmlformats.org/drawingml/2006/main">
@@ -1179,7 +1205,7 @@
         </p:xfrm>
         <a:graphic xmlns:a="http://schemas.openxmlformats.org/drawingml/2006/main">
           <a:graphicData uri="http://schemas.openxmlformats.org/drawingml/2006/chart">
-            <c:chart xmlns:r="http://schemas.openxmlformats.org/officeDocument/2006/relationships" xmlns:c="http://schemas.openxmlformats.org/drawingml/2006/chart" r:id="Rcb8f5bf0cfea48d8"/>
+            <c:chart xmlns:r="http://schemas.openxmlformats.org/officeDocument/2006/relationships" xmlns:c="http://schemas.openxmlformats.org/drawingml/2006/chart" r:id="R1ef618850ddb44be"/>
           </a:graphicData>
         </a:graphic>
       </p:graphicFrame>
@@ -1189,15 +1215,14 @@
           <p:cNvSpPr>
             <a:spLocks xmlns:a="http://schemas.openxmlformats.org/drawingml/2006/main" noGrp="1"/>
           </p:cNvSpPr>
-          <p:nvPr>
-            <p:ph type="body"/>
-          </p:nvPr>
+          <p:nvPr/>
         </p:nvSpPr>
         <p:spPr>
           <a:xfrm xmlns:a="http://schemas.openxmlformats.org/drawingml/2006/main">
             <a:off x="288000" y="5227200"/>
             <a:ext cx="8568000" cy="1018800"/>
           </a:xfrm>
+          <a:prstGeom xmlns:a="http://schemas.openxmlformats.org/drawingml/2006/main" prst="rect"/>
         </p:spPr>
         <p:txBody>
           <a:bodyPr xmlns:a="http://schemas.openxmlformats.org/drawingml/2006/main">

--- a/src/examples/grid/grid.pptx
+++ b/src/examples/grid/grid.pptx
@@ -2,10 +2,10 @@
 <file path=ppt/presentation.xml><?xml version="1.0" encoding="utf-8"?>
 <p:presentation xmlns:p="http://schemas.openxmlformats.org/presentationml/2006/main" showSpecialPlsOnTitleSld="0">
   <p:sldMasterIdLst>
-    <p:sldMasterId xmlns:r="http://schemas.openxmlformats.org/officeDocument/2006/relationships" id="2147483648" r:id="R3bc752bb500a4cc6"/>
+    <p:sldMasterId xmlns:r="http://schemas.openxmlformats.org/officeDocument/2006/relationships" id="2147483648" r:id="R09edd95081c44412"/>
   </p:sldMasterIdLst>
   <p:sldIdLst>
-    <p:sldId xmlns:r="http://schemas.openxmlformats.org/officeDocument/2006/relationships" id="257" r:id="Rf4c4288726c043d9"/>
+    <p:sldId xmlns:r="http://schemas.openxmlformats.org/officeDocument/2006/relationships" id="257" r:id="R0aec7420c8df4174"/>
   </p:sldIdLst>
   <p:sldSz cx="9144000" cy="6858000" type="screen4x3"/>
   <p:notesSz cx="6858000" cy="9144000"/>
@@ -119,7 +119,7 @@
             </a:lvl1pPr>
           </a:lstStyle>
           <a:p xmlns:a="http://schemas.openxmlformats.org/drawingml/2006/main">
-            <a:fld id="{EE8E0839-BBF7-4A6F-BE63-8A744DA7533B}" type="slidenum">
+            <a:fld id="{ECED7595-DC1A-4C12-B649-B6B7EC9A9D42}" type="slidenum">
               <a:t>‹#›</a:t>
             </a:fld>
           </a:p>
@@ -236,7 +236,7 @@
             </a:lvl1pPr>
           </a:lstStyle>
           <a:p xmlns:a="http://schemas.openxmlformats.org/drawingml/2006/main">
-            <a:fld id="{EE8E0839-BBF7-4A6F-BE63-8A744DA7533B}" type="slidenum">
+            <a:fld id="{ECED7595-DC1A-4C12-B649-B6B7EC9A9D42}" type="slidenum">
               <a:t>‹#›</a:t>
             </a:fld>
           </a:p>
@@ -246,19 +246,19 @@
   </p:cSld>
   <p:clrMap bg1="lt1" tx1="dk1" bg2="lt2" tx2="dk2" accent1="accent1" accent2="accent2" accent3="accent3" accent4="accent4" accent5="accent5" accent6="accent6" hlink="hlink" folHlink="folHlink"/>
   <p:sldLayoutIdLst>
-    <p:sldLayoutId xmlns:r="http://schemas.openxmlformats.org/officeDocument/2006/relationships" id="2147483650" r:id="R38e01d29ceb44409"/>
+    <p:sldLayoutId xmlns:r="http://schemas.openxmlformats.org/officeDocument/2006/relationships" id="2147483650" r:id="R74944178271a439d"/>
   </p:sldLayoutIdLst>
   <p:txStyles>
     <p:titleStyle>
       <a:defPPr xmlns:a="http://schemas.openxmlformats.org/drawingml/2006/main">
-        <a:defRPr lang="ja-JP" altLang="en-US">
+        <a:defRPr lang="en-US" altLang="en-US">
           <a:solidFill>
             <a:schemeClr val="dk1"/>
           </a:solidFill>
         </a:defRPr>
       </a:defPPr>
       <a:lvl1pPr xmlns:a="http://schemas.openxmlformats.org/drawingml/2006/main">
-        <a:defRPr lang="ja-JP" altLang="en-US" sz="4400">
+        <a:defRPr lang="en-US" altLang="en-US" sz="4400">
           <a:solidFill>
             <a:schemeClr val="dk1"/>
           </a:solidFill>
@@ -270,7 +270,7 @@
     </p:titleStyle>
     <p:bodyStyle>
       <a:defPPr xmlns:a="http://schemas.openxmlformats.org/drawingml/2006/main">
-        <a:defRPr lang="ja-JP" altLang="en-US">
+        <a:defRPr lang="en-US" altLang="en-US">
           <a:solidFill>
             <a:schemeClr val="dk1"/>
           </a:solidFill>
@@ -278,7 +278,7 @@
       </a:defPPr>
       <a:lvl1pPr xmlns:a="http://schemas.openxmlformats.org/drawingml/2006/main" marL="355600" indent="-355600">
         <a:buChar char="•"/>
-        <a:defRPr lang="ja-JP" altLang="en-US" sz="2800">
+        <a:defRPr lang="en-US" altLang="en-US" sz="2800">
           <a:solidFill>
             <a:schemeClr val="dk1"/>
           </a:solidFill>
@@ -289,7 +289,7 @@
       </a:lvl1pPr>
       <a:lvl2pPr xmlns:a="http://schemas.openxmlformats.org/drawingml/2006/main" marL="660400" indent="-304800">
         <a:buChar char="⁃"/>
-        <a:defRPr lang="ja-JP" altLang="en-US" sz="2400">
+        <a:defRPr lang="en-US" altLang="en-US" sz="2400">
           <a:solidFill>
             <a:schemeClr val="dk1"/>
           </a:solidFill>
@@ -300,7 +300,7 @@
       </a:lvl2pPr>
       <a:lvl3pPr xmlns:a="http://schemas.openxmlformats.org/drawingml/2006/main" marL="914400" indent="-254000">
         <a:buChar char="*"/>
-        <a:defRPr lang="ja-JP" altLang="en-US" sz="2000">
+        <a:defRPr lang="en-US" altLang="en-US" sz="2000">
           <a:solidFill>
             <a:schemeClr val="dk1"/>
           </a:solidFill>
@@ -311,7 +311,7 @@
       </a:lvl3pPr>
       <a:lvl4pPr xmlns:a="http://schemas.openxmlformats.org/drawingml/2006/main" marL="1143000" indent="-228600">
         <a:buChar char="‣"/>
-        <a:defRPr lang="ja-JP" altLang="en-US" sz="1800">
+        <a:defRPr lang="en-US" altLang="en-US" sz="1800">
           <a:solidFill>
             <a:schemeClr val="dk1"/>
           </a:solidFill>
@@ -322,7 +322,7 @@
       </a:lvl4pPr>
       <a:lvl5pPr xmlns:a="http://schemas.openxmlformats.org/drawingml/2006/main" marL="1371600" indent="-228600">
         <a:buChar char="○"/>
-        <a:defRPr lang="ja-JP" altLang="en-US" sz="1800">
+        <a:defRPr lang="en-US" altLang="en-US" sz="1800">
           <a:solidFill>
             <a:schemeClr val="dk1"/>
           </a:solidFill>
@@ -333,7 +333,7 @@
       </a:lvl5pPr>
       <a:lvl6pPr xmlns:a="http://schemas.openxmlformats.org/drawingml/2006/main" marL="1600200" indent="-228600">
         <a:buChar char="○"/>
-        <a:defRPr lang="ja-JP" altLang="en-US" sz="1800">
+        <a:defRPr lang="en-US" altLang="en-US" sz="1800">
           <a:solidFill>
             <a:schemeClr val="dk1"/>
           </a:solidFill>
@@ -344,7 +344,7 @@
       </a:lvl6pPr>
       <a:lvl7pPr xmlns:a="http://schemas.openxmlformats.org/drawingml/2006/main" marL="1828800" indent="-228600">
         <a:buChar char="○"/>
-        <a:defRPr lang="ja-JP" altLang="en-US" sz="1800">
+        <a:defRPr lang="en-US" altLang="en-US" sz="1800">
           <a:solidFill>
             <a:schemeClr val="dk1"/>
           </a:solidFill>
@@ -355,7 +355,7 @@
       </a:lvl7pPr>
       <a:lvl8pPr xmlns:a="http://schemas.openxmlformats.org/drawingml/2006/main" marL="2057400" indent="-228600">
         <a:buChar char="○"/>
-        <a:defRPr lang="ja-JP" altLang="en-US" sz="1800">
+        <a:defRPr lang="en-US" altLang="en-US" sz="1800">
           <a:solidFill>
             <a:schemeClr val="dk1"/>
           </a:solidFill>
@@ -366,7 +366,7 @@
       </a:lvl8pPr>
       <a:lvl9pPr xmlns:a="http://schemas.openxmlformats.org/drawingml/2006/main" marL="2286000" indent="-228600">
         <a:buChar char="○"/>
-        <a:defRPr lang="ja-JP" altLang="en-US" sz="1800">
+        <a:defRPr lang="en-US" altLang="en-US" sz="1800">
           <a:solidFill>
             <a:schemeClr val="dk1"/>
           </a:solidFill>
@@ -591,7 +591,7 @@
       </c:txPr>
     </c:legend>
   </c:chart>
-  <c:externalData xmlns:r="http://schemas.openxmlformats.org/officeDocument/2006/relationships" r:id="R2b0dcf6ad47844a8"/>
+  <c:externalData xmlns:r="http://schemas.openxmlformats.org/officeDocument/2006/relationships" r:id="R037d5f22ff704177"/>
 </c:chartSpace>
 </file>
 
@@ -806,7 +806,7 @@
       </c:txPr>
     </c:legend>
   </c:chart>
-  <c:externalData xmlns:r="http://schemas.openxmlformats.org/officeDocument/2006/relationships" r:id="R944d32a12c9e47c5"/>
+  <c:externalData xmlns:r="http://schemas.openxmlformats.org/officeDocument/2006/relationships" r:id="R6261d76aa8ba4a64"/>
 </c:chartSpace>
 </file>
 
@@ -889,7 +889,7 @@
             </a:lvl1pPr>
           </a:lstStyle>
           <a:p xmlns:a="http://schemas.openxmlformats.org/drawingml/2006/main">
-            <a:fld id="{EE8E0839-BBF7-4A6F-BE63-8A744DA7533B}" type="slidenum">
+            <a:fld id="{ECED7595-DC1A-4C12-B649-B6B7EC9A9D42}" type="slidenum">
               <a:t>‹#›</a:t>
             </a:fld>
           </a:p>
@@ -920,7 +920,7 @@
           </a:bodyPr>
           <a:lstStyle xmlns:a="http://schemas.openxmlformats.org/drawingml/2006/main">
             <a:defPPr algn="r">
-              <a:defRPr lang="ja-JP" altLang="en-US" sz="1800">
+              <a:defRPr lang="en-US" altLang="en-US" sz="1800">
                 <a:solidFill>
                   <a:schemeClr val="dk1"/>
                 </a:solidFill>
@@ -928,7 +928,7 @@
             </a:defPPr>
             <a:lvl1pPr marL="355600" indent="-355600" algn="r">
               <a:buChar char="•"/>
-              <a:defRPr lang="ja-JP" altLang="en-US" sz="2800">
+              <a:defRPr lang="en-US" altLang="en-US" sz="2800">
                 <a:solidFill>
                   <a:schemeClr val="dk1"/>
                 </a:solidFill>
@@ -939,7 +939,7 @@
             </a:lvl1pPr>
             <a:lvl2pPr marL="660400" indent="-304800" algn="r">
               <a:buChar char="⁃"/>
-              <a:defRPr lang="ja-JP" altLang="en-US" sz="2400">
+              <a:defRPr lang="en-US" altLang="en-US" sz="2400">
                 <a:solidFill>
                   <a:schemeClr val="dk1"/>
                 </a:solidFill>
@@ -950,7 +950,7 @@
             </a:lvl2pPr>
             <a:lvl3pPr marL="914400" indent="-254000" algn="r">
               <a:buChar char="*"/>
-              <a:defRPr lang="ja-JP" altLang="en-US" sz="2000">
+              <a:defRPr lang="en-US" altLang="en-US" sz="2000">
                 <a:solidFill>
                   <a:schemeClr val="dk1"/>
                 </a:solidFill>
@@ -961,7 +961,7 @@
             </a:lvl3pPr>
             <a:lvl4pPr marL="1143000" indent="-228600" algn="r">
               <a:buChar char="‣"/>
-              <a:defRPr lang="ja-JP" altLang="en-US" sz="1800">
+              <a:defRPr lang="en-US" altLang="en-US" sz="1800">
                 <a:solidFill>
                   <a:schemeClr val="dk1"/>
                 </a:solidFill>
@@ -972,7 +972,7 @@
             </a:lvl4pPr>
             <a:lvl5pPr marL="1371600" indent="-228600" algn="r">
               <a:buChar char="○"/>
-              <a:defRPr lang="ja-JP" altLang="en-US" sz="1800">
+              <a:defRPr lang="en-US" altLang="en-US" sz="1800">
                 <a:solidFill>
                   <a:schemeClr val="dk1"/>
                 </a:solidFill>
@@ -983,7 +983,7 @@
             </a:lvl5pPr>
             <a:lvl6pPr marL="1600200" indent="-228600" algn="r">
               <a:buChar char="○"/>
-              <a:defRPr lang="ja-JP" altLang="en-US" sz="1800">
+              <a:defRPr lang="en-US" altLang="en-US" sz="1800">
                 <a:solidFill>
                   <a:schemeClr val="dk1"/>
                 </a:solidFill>
@@ -994,7 +994,7 @@
             </a:lvl6pPr>
             <a:lvl7pPr marL="1828800" indent="-228600" algn="r">
               <a:buChar char="○"/>
-              <a:defRPr lang="ja-JP" altLang="en-US" sz="1800">
+              <a:defRPr lang="en-US" altLang="en-US" sz="1800">
                 <a:solidFill>
                   <a:schemeClr val="dk1"/>
                 </a:solidFill>
@@ -1005,7 +1005,7 @@
             </a:lvl7pPr>
             <a:lvl8pPr marL="2057400" indent="-228600" algn="r">
               <a:buChar char="○"/>
-              <a:defRPr lang="ja-JP" altLang="en-US" sz="1800">
+              <a:defRPr lang="en-US" altLang="en-US" sz="1800">
                 <a:solidFill>
                   <a:schemeClr val="dk1"/>
                 </a:solidFill>
@@ -1016,7 +1016,7 @@
             </a:lvl8pPr>
             <a:lvl9pPr marL="2286000" indent="-228600" algn="r">
               <a:buChar char="○"/>
-              <a:defRPr lang="ja-JP" altLang="en-US" sz="1800">
+              <a:defRPr lang="en-US" altLang="en-US" sz="1800">
                 <a:solidFill>
                   <a:schemeClr val="dk1"/>
                 </a:solidFill>
@@ -1050,7 +1050,7 @@
         </p:xfrm>
         <a:graphic xmlns:a="http://schemas.openxmlformats.org/drawingml/2006/main">
           <a:graphicData uri="http://schemas.openxmlformats.org/drawingml/2006/chart">
-            <c:chart xmlns:r="http://schemas.openxmlformats.org/officeDocument/2006/relationships" xmlns:c="http://schemas.openxmlformats.org/drawingml/2006/chart" r:id="R377ecc21beb248f9"/>
+            <c:chart xmlns:r="http://schemas.openxmlformats.org/officeDocument/2006/relationships" xmlns:c="http://schemas.openxmlformats.org/drawingml/2006/chart" r:id="Rb29cf4ef6cd341ff"/>
           </a:graphicData>
         </a:graphic>
       </p:graphicFrame>
@@ -1075,7 +1075,7 @@
           </a:bodyPr>
           <a:lstStyle xmlns:a="http://schemas.openxmlformats.org/drawingml/2006/main">
             <a:defPPr algn="r">
-              <a:defRPr lang="ja-JP" altLang="en-US" sz="1800">
+              <a:defRPr lang="en-US" altLang="en-US" sz="1800">
                 <a:solidFill>
                   <a:schemeClr val="dk1"/>
                 </a:solidFill>
@@ -1083,7 +1083,7 @@
             </a:defPPr>
             <a:lvl1pPr marL="355600" indent="-355600" algn="r">
               <a:buChar char="•"/>
-              <a:defRPr lang="ja-JP" altLang="en-US" sz="2800">
+              <a:defRPr lang="en-US" altLang="en-US" sz="2800">
                 <a:solidFill>
                   <a:schemeClr val="dk1"/>
                 </a:solidFill>
@@ -1094,7 +1094,7 @@
             </a:lvl1pPr>
             <a:lvl2pPr marL="660400" indent="-304800" algn="r">
               <a:buChar char="⁃"/>
-              <a:defRPr lang="ja-JP" altLang="en-US" sz="2400">
+              <a:defRPr lang="en-US" altLang="en-US" sz="2400">
                 <a:solidFill>
                   <a:schemeClr val="dk1"/>
                 </a:solidFill>
@@ -1105,7 +1105,7 @@
             </a:lvl2pPr>
             <a:lvl3pPr marL="914400" indent="-254000" algn="r">
               <a:buChar char="*"/>
-              <a:defRPr lang="ja-JP" altLang="en-US" sz="2000">
+              <a:defRPr lang="en-US" altLang="en-US" sz="2000">
                 <a:solidFill>
                   <a:schemeClr val="dk1"/>
                 </a:solidFill>
@@ -1116,7 +1116,7 @@
             </a:lvl3pPr>
             <a:lvl4pPr marL="1143000" indent="-228600" algn="r">
               <a:buChar char="‣"/>
-              <a:defRPr lang="ja-JP" altLang="en-US" sz="1800">
+              <a:defRPr lang="en-US" altLang="en-US" sz="1800">
                 <a:solidFill>
                   <a:schemeClr val="dk1"/>
                 </a:solidFill>
@@ -1127,7 +1127,7 @@
             </a:lvl4pPr>
             <a:lvl5pPr marL="1371600" indent="-228600" algn="r">
               <a:buChar char="○"/>
-              <a:defRPr lang="ja-JP" altLang="en-US" sz="1800">
+              <a:defRPr lang="en-US" altLang="en-US" sz="1800">
                 <a:solidFill>
                   <a:schemeClr val="dk1"/>
                 </a:solidFill>
@@ -1138,7 +1138,7 @@
             </a:lvl5pPr>
             <a:lvl6pPr marL="1600200" indent="-228600" algn="r">
               <a:buChar char="○"/>
-              <a:defRPr lang="ja-JP" altLang="en-US" sz="1800">
+              <a:defRPr lang="en-US" altLang="en-US" sz="1800">
                 <a:solidFill>
                   <a:schemeClr val="dk1"/>
                 </a:solidFill>
@@ -1149,7 +1149,7 @@
             </a:lvl6pPr>
             <a:lvl7pPr marL="1828800" indent="-228600" algn="r">
               <a:buChar char="○"/>
-              <a:defRPr lang="ja-JP" altLang="en-US" sz="1800">
+              <a:defRPr lang="en-US" altLang="en-US" sz="1800">
                 <a:solidFill>
                   <a:schemeClr val="dk1"/>
                 </a:solidFill>
@@ -1160,7 +1160,7 @@
             </a:lvl7pPr>
             <a:lvl8pPr marL="2057400" indent="-228600" algn="r">
               <a:buChar char="○"/>
-              <a:defRPr lang="ja-JP" altLang="en-US" sz="1800">
+              <a:defRPr lang="en-US" altLang="en-US" sz="1800">
                 <a:solidFill>
                   <a:schemeClr val="dk1"/>
                 </a:solidFill>
@@ -1171,7 +1171,7 @@
             </a:lvl8pPr>
             <a:lvl9pPr marL="2286000" indent="-228600" algn="r">
               <a:buChar char="○"/>
-              <a:defRPr lang="ja-JP" altLang="en-US" sz="1800">
+              <a:defRPr lang="en-US" altLang="en-US" sz="1800">
                 <a:solidFill>
                   <a:schemeClr val="dk1"/>
                 </a:solidFill>
@@ -1205,7 +1205,7 @@
         </p:xfrm>
         <a:graphic xmlns:a="http://schemas.openxmlformats.org/drawingml/2006/main">
           <a:graphicData uri="http://schemas.openxmlformats.org/drawingml/2006/chart">
-            <c:chart xmlns:r="http://schemas.openxmlformats.org/officeDocument/2006/relationships" xmlns:c="http://schemas.openxmlformats.org/drawingml/2006/chart" r:id="R1ef618850ddb44be"/>
+            <c:chart xmlns:r="http://schemas.openxmlformats.org/officeDocument/2006/relationships" xmlns:c="http://schemas.openxmlformats.org/drawingml/2006/chart" r:id="R6ef351abd3df462e"/>
           </a:graphicData>
         </a:graphic>
       </p:graphicFrame>
@@ -1230,7 +1230,7 @@
           </a:bodyPr>
           <a:lstStyle xmlns:a="http://schemas.openxmlformats.org/drawingml/2006/main">
             <a:defPPr algn="ctr">
-              <a:defRPr lang="ja-JP" altLang="en-US" sz="1800">
+              <a:defRPr lang="en-US" altLang="en-US" sz="1800">
                 <a:solidFill>
                   <a:schemeClr val="dk1"/>
                 </a:solidFill>
@@ -1238,7 +1238,7 @@
             </a:defPPr>
             <a:lvl1pPr marL="355600" indent="-355600" algn="ctr">
               <a:buChar char="•"/>
-              <a:defRPr lang="ja-JP" altLang="en-US" sz="2800">
+              <a:defRPr lang="en-US" altLang="en-US" sz="2800">
                 <a:solidFill>
                   <a:schemeClr val="dk1"/>
                 </a:solidFill>
@@ -1249,7 +1249,7 @@
             </a:lvl1pPr>
             <a:lvl2pPr marL="660400" indent="-304800" algn="ctr">
               <a:buChar char="⁃"/>
-              <a:defRPr lang="ja-JP" altLang="en-US" sz="2400">
+              <a:defRPr lang="en-US" altLang="en-US" sz="2400">
                 <a:solidFill>
                   <a:schemeClr val="dk1"/>
                 </a:solidFill>
@@ -1260,7 +1260,7 @@
             </a:lvl2pPr>
             <a:lvl3pPr marL="914400" indent="-254000" algn="ctr">
               <a:buChar char="*"/>
-              <a:defRPr lang="ja-JP" altLang="en-US" sz="2000">
+              <a:defRPr lang="en-US" altLang="en-US" sz="2000">
                 <a:solidFill>
                   <a:schemeClr val="dk1"/>
                 </a:solidFill>
@@ -1271,7 +1271,7 @@
             </a:lvl3pPr>
             <a:lvl4pPr marL="1143000" indent="-228600" algn="ctr">
               <a:buChar char="‣"/>
-              <a:defRPr lang="ja-JP" altLang="en-US" sz="1800">
+              <a:defRPr lang="en-US" altLang="en-US" sz="1800">
                 <a:solidFill>
                   <a:schemeClr val="dk1"/>
                 </a:solidFill>
@@ -1282,7 +1282,7 @@
             </a:lvl4pPr>
             <a:lvl5pPr marL="1371600" indent="-228600" algn="ctr">
               <a:buChar char="○"/>
-              <a:defRPr lang="ja-JP" altLang="en-US" sz="1800">
+              <a:defRPr lang="en-US" altLang="en-US" sz="1800">
                 <a:solidFill>
                   <a:schemeClr val="dk1"/>
                 </a:solidFill>
@@ -1293,7 +1293,7 @@
             </a:lvl5pPr>
             <a:lvl6pPr marL="1600200" indent="-228600" algn="ctr">
               <a:buChar char="○"/>
-              <a:defRPr lang="ja-JP" altLang="en-US" sz="1800">
+              <a:defRPr lang="en-US" altLang="en-US" sz="1800">
                 <a:solidFill>
                   <a:schemeClr val="dk1"/>
                 </a:solidFill>
@@ -1304,7 +1304,7 @@
             </a:lvl6pPr>
             <a:lvl7pPr marL="1828800" indent="-228600" algn="ctr">
               <a:buChar char="○"/>
-              <a:defRPr lang="ja-JP" altLang="en-US" sz="1800">
+              <a:defRPr lang="en-US" altLang="en-US" sz="1800">
                 <a:solidFill>
                   <a:schemeClr val="dk1"/>
                 </a:solidFill>
@@ -1315,7 +1315,7 @@
             </a:lvl7pPr>
             <a:lvl8pPr marL="2057400" indent="-228600" algn="ctr">
               <a:buChar char="○"/>
-              <a:defRPr lang="ja-JP" altLang="en-US" sz="1800">
+              <a:defRPr lang="en-US" altLang="en-US" sz="1800">
                 <a:solidFill>
                   <a:schemeClr val="dk1"/>
                 </a:solidFill>
@@ -1326,7 +1326,7 @@
             </a:lvl8pPr>
             <a:lvl9pPr marL="2286000" indent="-228600" algn="ctr">
               <a:buChar char="○"/>
-              <a:defRPr lang="ja-JP" altLang="en-US" sz="1800">
+              <a:defRPr lang="en-US" altLang="en-US" sz="1800">
                 <a:solidFill>
                   <a:schemeClr val="dk1"/>
                 </a:solidFill>
